--- a/DSA_CaseStudy_Anusha.pptx
+++ b/DSA_CaseStudy_Anusha.pptx
@@ -227,7 +227,7 @@
           <a:p>
             <a:fld id="{635A6EE3-BAF7-4969-875B-8BCE4850C8FD}" type="datetimeFigureOut">
               <a:rPr lang="en-US" smtClean="0"/>
-              <a:t>8/18/2021</a:t>
+              <a:t>8/22/2021</a:t>
             </a:fld>
             <a:endParaRPr lang="en-US"/>
           </a:p>
@@ -738,7 +738,7 @@
           <a:p>
             <a:fld id="{9184DA70-C731-4C70-880D-CCD4705E623C}" type="datetime1">
               <a:rPr lang="en-US" smtClean="0"/>
-              <a:t>8/18/2021</a:t>
+              <a:t>8/22/2021</a:t>
             </a:fld>
             <a:endParaRPr lang="en-US" dirty="0"/>
           </a:p>
@@ -926,7 +926,7 @@
           <a:p>
             <a:fld id="{4BE1D723-8F53-4F53-90B0-1982A396982E}" type="datetime1">
               <a:rPr lang="en-US" smtClean="0"/>
-              <a:t>8/18/2021</a:t>
+              <a:t>8/22/2021</a:t>
             </a:fld>
             <a:endParaRPr lang="en-US" dirty="0"/>
           </a:p>
@@ -1299,7 +1299,7 @@
           <a:p>
             <a:fld id="{97669AF7-7BEB-44E4-9852-375E34362B5B}" type="datetime1">
               <a:rPr lang="en-US" smtClean="0"/>
-              <a:t>8/18/2021</a:t>
+              <a:t>8/22/2021</a:t>
             </a:fld>
             <a:endParaRPr lang="en-US" dirty="0"/>
           </a:p>
@@ -1554,7 +1554,7 @@
           <a:p>
             <a:fld id="{BAAAC38D-0552-4C82-B593-E6124DFADBE2}" type="datetime1">
               <a:rPr lang="en-US" smtClean="0"/>
-              <a:t>8/18/2021</a:t>
+              <a:t>8/22/2021</a:t>
             </a:fld>
             <a:endParaRPr lang="en-US" dirty="0"/>
           </a:p>
@@ -1951,7 +1951,7 @@
           <a:p>
             <a:fld id="{D9DF0F1C-5577-4ACB-BB62-DF8F3C494C7E}" type="datetime1">
               <a:rPr lang="en-US" smtClean="0"/>
-              <a:t>8/18/2021</a:t>
+              <a:t>8/22/2021</a:t>
             </a:fld>
             <a:endParaRPr lang="en-US" dirty="0"/>
           </a:p>
@@ -2087,7 +2087,7 @@
           <a:p>
             <a:fld id="{1775B394-D9F9-4F0C-B15D-605F45CB9E9F}" type="datetime1">
               <a:rPr lang="en-US" smtClean="0"/>
-              <a:t>8/18/2021</a:t>
+              <a:t>8/22/2021</a:t>
             </a:fld>
             <a:endParaRPr lang="en-US" dirty="0"/>
           </a:p>
@@ -2244,7 +2244,7 @@
           <a:p>
             <a:fld id="{39667345-2558-425A-8533-9BFDBCE15005}" type="datetime1">
               <a:rPr lang="en-US" smtClean="0"/>
-              <a:t>8/18/2021</a:t>
+              <a:t>8/22/2021</a:t>
             </a:fld>
             <a:endParaRPr lang="en-US" dirty="0"/>
           </a:p>
@@ -2573,7 +2573,7 @@
           <a:p>
             <a:fld id="{92BEA474-078D-4E9B-9B14-09A87B19DC46}" type="datetime1">
               <a:rPr lang="en-US" smtClean="0"/>
-              <a:t>8/18/2021</a:t>
+              <a:t>8/22/2021</a:t>
             </a:fld>
             <a:endParaRPr lang="en-US" dirty="0"/>
           </a:p>
@@ -2923,7 +2923,7 @@
           <a:p>
             <a:fld id="{4907D986-8816-4272-A432-0437A28A9828}" type="datetime1">
               <a:rPr lang="en-US" smtClean="0"/>
-              <a:t>8/18/2021</a:t>
+              <a:t>8/22/2021</a:t>
             </a:fld>
             <a:endParaRPr lang="en-US" dirty="0"/>
           </a:p>
@@ -3184,7 +3184,7 @@
           <a:p>
             <a:fld id="{62D6E202-B606-4609-B914-27C9371A1F6D}" type="datetime1">
               <a:rPr lang="en-US" smtClean="0"/>
-              <a:t>8/18/2021</a:t>
+              <a:t>8/22/2021</a:t>
             </a:fld>
             <a:endParaRPr lang="en-US" dirty="0"/>
           </a:p>
@@ -3973,7 +3973,7 @@
             </a:pPr>
             <a:r>
               <a:rPr lang="en-US" sz="4400" dirty="0"/>
-              <a:t>Data Solution Analyst Case Study</a:t>
+              <a:t>Data Science Case Study</a:t>
             </a:r>
             <a:br>
               <a:rPr lang="en-US" sz="4400" dirty="0"/>
@@ -4367,8 +4367,8 @@
         </p:nvSpPr>
         <p:spPr>
           <a:xfrm>
-            <a:off x="838199" y="5403296"/>
-            <a:ext cx="10363201" cy="657887"/>
+            <a:off x="838199" y="5403297"/>
+            <a:ext cx="10363201" cy="435424"/>
           </a:xfrm>
           <a:prstGeom prst="rect">
             <a:avLst/>
@@ -4399,7 +4399,7 @@
                 <a:latin typeface="Times New Roman" panose="02020603050405020304" pitchFamily="18" charset="0"/>
                 <a:cs typeface="Times New Roman" panose="02020603050405020304" pitchFamily="18" charset="0"/>
               </a:rPr>
-              <a:t>Age distribution has outliers after age 75. Younger group from 25- 40 and older age group of 60 - 95 can be persuaded more to subscribe.</a:t>
+              <a:t>Younger group and older age group can be persuaded more to subscribe.</a:t>
             </a:r>
             <a:endParaRPr lang="en-US" sz="2000" spc="-50" dirty="0">
               <a:solidFill>
@@ -4584,10 +4584,10 @@
       </p:sp>
       <p:pic>
         <p:nvPicPr>
-          <p:cNvPr id="3" name="Picture 2" descr="Table&#10;&#10;Description automatically generated">
-            <a:extLst>
-              <a:ext uri="{FF2B5EF4-FFF2-40B4-BE49-F238E27FC236}">
-                <a16:creationId xmlns:a16="http://schemas.microsoft.com/office/drawing/2014/main" id="{A9DCB6AE-6DC1-4A88-AA15-07BF4C497D00}"/>
+          <p:cNvPr id="14" name="Picture 13" descr="Text&#10;&#10;Description automatically generated">
+            <a:extLst>
+              <a:ext uri="{FF2B5EF4-FFF2-40B4-BE49-F238E27FC236}">
+                <a16:creationId xmlns:a16="http://schemas.microsoft.com/office/drawing/2014/main" id="{7757CF96-A681-4F8B-AF08-93484059589A}"/>
               </a:ext>
             </a:extLst>
           </p:cNvPr>
@@ -4604,8 +4604,8 @@
         </p:blipFill>
         <p:spPr>
           <a:xfrm>
-            <a:off x="1417218" y="689091"/>
-            <a:ext cx="9357563" cy="4616555"/>
+            <a:off x="10668000" y="754620"/>
+            <a:ext cx="1066800" cy="714375"/>
           </a:xfrm>
           <a:prstGeom prst="rect">
             <a:avLst/>
@@ -4614,10 +4614,10 @@
       </p:pic>
       <p:pic>
         <p:nvPicPr>
-          <p:cNvPr id="14" name="Picture 13" descr="Text&#10;&#10;Description automatically generated">
-            <a:extLst>
-              <a:ext uri="{FF2B5EF4-FFF2-40B4-BE49-F238E27FC236}">
-                <a16:creationId xmlns:a16="http://schemas.microsoft.com/office/drawing/2014/main" id="{7757CF96-A681-4F8B-AF08-93484059589A}"/>
+          <p:cNvPr id="5" name="Picture 4" descr="Chart&#10;&#10;Description automatically generated">
+            <a:extLst>
+              <a:ext uri="{FF2B5EF4-FFF2-40B4-BE49-F238E27FC236}">
+                <a16:creationId xmlns:a16="http://schemas.microsoft.com/office/drawing/2014/main" id="{91878DE6-8CFF-44E9-A2F8-FE8C1F1FBBC5}"/>
               </a:ext>
             </a:extLst>
           </p:cNvPr>
@@ -4634,14 +4634,138 @@
         </p:blipFill>
         <p:spPr>
           <a:xfrm>
-            <a:off x="10668000" y="754620"/>
-            <a:ext cx="1066800" cy="714375"/>
+            <a:off x="1752600" y="1000335"/>
+            <a:ext cx="8024813" cy="2428665"/>
           </a:xfrm>
           <a:prstGeom prst="rect">
             <a:avLst/>
           </a:prstGeom>
         </p:spPr>
       </p:pic>
+      <p:pic>
+        <p:nvPicPr>
+          <p:cNvPr id="9" name="Picture 8" descr="Chart, bar chart&#10;&#10;Description automatically generated">
+            <a:extLst>
+              <a:ext uri="{FF2B5EF4-FFF2-40B4-BE49-F238E27FC236}">
+                <a16:creationId xmlns:a16="http://schemas.microsoft.com/office/drawing/2014/main" id="{03CFA96E-8823-40BA-9BF8-CACC45911141}"/>
+              </a:ext>
+            </a:extLst>
+          </p:cNvPr>
+          <p:cNvPicPr>
+            <a:picLocks noChangeAspect="1"/>
+          </p:cNvPicPr>
+          <p:nvPr/>
+        </p:nvPicPr>
+        <p:blipFill>
+          <a:blip r:embed="rId4"/>
+          <a:stretch>
+            <a:fillRect/>
+          </a:stretch>
+        </p:blipFill>
+        <p:spPr>
+          <a:xfrm>
+            <a:off x="1813559" y="3429000"/>
+            <a:ext cx="8024813" cy="1866077"/>
+          </a:xfrm>
+          <a:prstGeom prst="rect">
+            <a:avLst/>
+          </a:prstGeom>
+        </p:spPr>
+      </p:pic>
+      <p:sp>
+        <p:nvSpPr>
+          <p:cNvPr id="10" name="Oval 9">
+            <a:extLst>
+              <a:ext uri="{FF2B5EF4-FFF2-40B4-BE49-F238E27FC236}">
+                <a16:creationId xmlns:a16="http://schemas.microsoft.com/office/drawing/2014/main" id="{F366105A-92E8-48B0-A49C-00ECFF9FB036}"/>
+              </a:ext>
+            </a:extLst>
+          </p:cNvPr>
+          <p:cNvSpPr/>
+          <p:nvPr/>
+        </p:nvSpPr>
+        <p:spPr>
+          <a:xfrm>
+            <a:off x="1988820" y="3855720"/>
+            <a:ext cx="1341120" cy="1363980"/>
+          </a:xfrm>
+          <a:prstGeom prst="ellipse">
+            <a:avLst/>
+          </a:prstGeom>
+          <a:noFill/>
+        </p:spPr>
+        <p:style>
+          <a:lnRef idx="2">
+            <a:schemeClr val="accent1">
+              <a:shade val="50000"/>
+            </a:schemeClr>
+          </a:lnRef>
+          <a:fillRef idx="1">
+            <a:schemeClr val="accent1"/>
+          </a:fillRef>
+          <a:effectRef idx="0">
+            <a:schemeClr val="accent1"/>
+          </a:effectRef>
+          <a:fontRef idx="minor">
+            <a:schemeClr val="lt1"/>
+          </a:fontRef>
+        </p:style>
+        <p:txBody>
+          <a:bodyPr rtlCol="0" anchor="ctr"/>
+          <a:lstStyle/>
+          <a:p>
+            <a:pPr algn="ctr"/>
+            <a:endParaRPr lang="en-US"/>
+          </a:p>
+        </p:txBody>
+      </p:sp>
+      <p:sp>
+        <p:nvSpPr>
+          <p:cNvPr id="11" name="Oval 10">
+            <a:extLst>
+              <a:ext uri="{FF2B5EF4-FFF2-40B4-BE49-F238E27FC236}">
+                <a16:creationId xmlns:a16="http://schemas.microsoft.com/office/drawing/2014/main" id="{E7071906-0F2D-4084-B3CE-D2465F70D781}"/>
+              </a:ext>
+            </a:extLst>
+          </p:cNvPr>
+          <p:cNvSpPr/>
+          <p:nvPr/>
+        </p:nvSpPr>
+        <p:spPr>
+          <a:xfrm>
+            <a:off x="6652260" y="3855720"/>
+            <a:ext cx="2209802" cy="1207959"/>
+          </a:xfrm>
+          <a:prstGeom prst="ellipse">
+            <a:avLst/>
+          </a:prstGeom>
+          <a:noFill/>
+        </p:spPr>
+        <p:style>
+          <a:lnRef idx="2">
+            <a:schemeClr val="accent1">
+              <a:shade val="50000"/>
+            </a:schemeClr>
+          </a:lnRef>
+          <a:fillRef idx="1">
+            <a:schemeClr val="accent1"/>
+          </a:fillRef>
+          <a:effectRef idx="0">
+            <a:schemeClr val="accent1"/>
+          </a:effectRef>
+          <a:fontRef idx="minor">
+            <a:schemeClr val="lt1"/>
+          </a:fontRef>
+        </p:style>
+        <p:txBody>
+          <a:bodyPr rtlCol="0" anchor="ctr"/>
+          <a:lstStyle/>
+          <a:p>
+            <a:pPr algn="ctr"/>
+            <a:endParaRPr lang="en-US"/>
+          </a:p>
+        </p:txBody>
+      </p:sp>
     </p:spTree>
     <p:extLst>
       <p:ext uri="{BB962C8B-B14F-4D97-AF65-F5344CB8AC3E}">
@@ -4897,7 +5021,7 @@
                 <a:ea typeface="+mj-ea"/>
                 <a:cs typeface="Times New Roman" panose="02020603050405020304" pitchFamily="18" charset="0"/>
               </a:rPr>
-              <a:t>Previous campaign was more successful with customers between age 25 to 40, they are our potential targets </a:t>
+              <a:t>Previous campaign was more successful with customers between age 25 to 60, they are our potential targets </a:t>
             </a:r>
             <a:endParaRPr lang="en-US" sz="2000" spc="-50" dirty="0">
               <a:solidFill>
@@ -5395,7 +5519,7 @@
                 <a:ea typeface="+mj-ea"/>
                 <a:cs typeface="Times New Roman" panose="02020603050405020304" pitchFamily="18" charset="0"/>
               </a:rPr>
-              <a:t>Plot to understand personal loan status along with the marital status of customers(with term deposit subscription). To focus on customers who are not married with no personal loan taken.</a:t>
+              <a:t>Plot to understand personal and housing loan status along with the marital status of customers. Good to focus on customers who are single.</a:t>
             </a:r>
             <a:endParaRPr lang="en-US" sz="2000" spc="-50" dirty="0">
               <a:solidFill>
@@ -5580,10 +5704,10 @@
       </p:sp>
       <p:pic>
         <p:nvPicPr>
-          <p:cNvPr id="10" name="Picture 9" descr="Chart, bar chart&#10;&#10;Description automatically generated">
-            <a:extLst>
-              <a:ext uri="{FF2B5EF4-FFF2-40B4-BE49-F238E27FC236}">
-                <a16:creationId xmlns:a16="http://schemas.microsoft.com/office/drawing/2014/main" id="{CFCC6168-B819-4848-A7ED-E9AB7708892E}"/>
+          <p:cNvPr id="3" name="Picture 2" descr="Chart, bar chart&#10;&#10;Description automatically generated">
+            <a:extLst>
+              <a:ext uri="{FF2B5EF4-FFF2-40B4-BE49-F238E27FC236}">
+                <a16:creationId xmlns:a16="http://schemas.microsoft.com/office/drawing/2014/main" id="{A9AD42A8-E552-473F-9E0F-C40902BDAA51}"/>
               </a:ext>
             </a:extLst>
           </p:cNvPr>
@@ -5600,14 +5724,262 @@
         </p:blipFill>
         <p:spPr>
           <a:xfrm>
-            <a:off x="2207242" y="1309696"/>
-            <a:ext cx="7777515" cy="3781408"/>
+            <a:off x="960583" y="1345217"/>
+            <a:ext cx="5405874" cy="3681056"/>
           </a:xfrm>
           <a:prstGeom prst="rect">
             <a:avLst/>
           </a:prstGeom>
         </p:spPr>
       </p:pic>
+      <p:pic>
+        <p:nvPicPr>
+          <p:cNvPr id="8" name="Picture 7" descr="Chart&#10;&#10;Description automatically generated">
+            <a:extLst>
+              <a:ext uri="{FF2B5EF4-FFF2-40B4-BE49-F238E27FC236}">
+                <a16:creationId xmlns:a16="http://schemas.microsoft.com/office/drawing/2014/main" id="{5567CE3B-B245-493A-9638-3E3AA8658421}"/>
+              </a:ext>
+            </a:extLst>
+          </p:cNvPr>
+          <p:cNvPicPr>
+            <a:picLocks noChangeAspect="1"/>
+          </p:cNvPicPr>
+          <p:nvPr/>
+        </p:nvPicPr>
+        <p:blipFill>
+          <a:blip r:embed="rId3"/>
+          <a:stretch>
+            <a:fillRect/>
+          </a:stretch>
+        </p:blipFill>
+        <p:spPr>
+          <a:xfrm>
+            <a:off x="6721160" y="1345216"/>
+            <a:ext cx="4800600" cy="3681053"/>
+          </a:xfrm>
+          <a:prstGeom prst="rect">
+            <a:avLst/>
+          </a:prstGeom>
+        </p:spPr>
+      </p:pic>
+      <p:pic>
+        <p:nvPicPr>
+          <p:cNvPr id="11" name="Picture 10" descr="Text&#10;&#10;Description automatically generated">
+            <a:extLst>
+              <a:ext uri="{FF2B5EF4-FFF2-40B4-BE49-F238E27FC236}">
+                <a16:creationId xmlns:a16="http://schemas.microsoft.com/office/drawing/2014/main" id="{401A6A32-1202-4FE1-B551-62069F331F4F}"/>
+              </a:ext>
+            </a:extLst>
+          </p:cNvPr>
+          <p:cNvPicPr>
+            <a:picLocks noChangeAspect="1"/>
+          </p:cNvPicPr>
+          <p:nvPr/>
+        </p:nvPicPr>
+        <p:blipFill>
+          <a:blip r:embed="rId4"/>
+          <a:stretch>
+            <a:fillRect/>
+          </a:stretch>
+        </p:blipFill>
+        <p:spPr>
+          <a:xfrm>
+            <a:off x="10636787" y="793338"/>
+            <a:ext cx="748251" cy="501061"/>
+          </a:xfrm>
+          <a:prstGeom prst="rect">
+            <a:avLst/>
+          </a:prstGeom>
+        </p:spPr>
+      </p:pic>
+      <p:sp>
+        <p:nvSpPr>
+          <p:cNvPr id="2" name="Rectangle 1">
+            <a:extLst>
+              <a:ext uri="{FF2B5EF4-FFF2-40B4-BE49-F238E27FC236}">
+                <a16:creationId xmlns:a16="http://schemas.microsoft.com/office/drawing/2014/main" id="{69E1FD87-3724-4AAF-8FD3-29EC936B678F}"/>
+              </a:ext>
+            </a:extLst>
+          </p:cNvPr>
+          <p:cNvSpPr/>
+          <p:nvPr/>
+        </p:nvSpPr>
+        <p:spPr>
+          <a:xfrm>
+            <a:off x="2785145" y="4253218"/>
+            <a:ext cx="528506" cy="773050"/>
+          </a:xfrm>
+          <a:prstGeom prst="rect">
+            <a:avLst/>
+          </a:prstGeom>
+          <a:noFill/>
+        </p:spPr>
+        <p:style>
+          <a:lnRef idx="2">
+            <a:schemeClr val="accent1">
+              <a:shade val="50000"/>
+            </a:schemeClr>
+          </a:lnRef>
+          <a:fillRef idx="1">
+            <a:schemeClr val="accent1"/>
+          </a:fillRef>
+          <a:effectRef idx="0">
+            <a:schemeClr val="accent1"/>
+          </a:effectRef>
+          <a:fontRef idx="minor">
+            <a:schemeClr val="lt1"/>
+          </a:fontRef>
+        </p:style>
+        <p:txBody>
+          <a:bodyPr rtlCol="0" anchor="ctr"/>
+          <a:lstStyle/>
+          <a:p>
+            <a:pPr algn="ctr"/>
+            <a:endParaRPr lang="en-US"/>
+          </a:p>
+        </p:txBody>
+      </p:sp>
+      <p:sp>
+        <p:nvSpPr>
+          <p:cNvPr id="14" name="Rectangle 13">
+            <a:extLst>
+              <a:ext uri="{FF2B5EF4-FFF2-40B4-BE49-F238E27FC236}">
+                <a16:creationId xmlns:a16="http://schemas.microsoft.com/office/drawing/2014/main" id="{741BF8A5-B86A-478A-B59E-731F8E6F96DA}"/>
+              </a:ext>
+            </a:extLst>
+          </p:cNvPr>
+          <p:cNvSpPr/>
+          <p:nvPr/>
+        </p:nvSpPr>
+        <p:spPr>
+          <a:xfrm>
+            <a:off x="5178760" y="4253218"/>
+            <a:ext cx="528506" cy="773050"/>
+          </a:xfrm>
+          <a:prstGeom prst="rect">
+            <a:avLst/>
+          </a:prstGeom>
+          <a:noFill/>
+        </p:spPr>
+        <p:style>
+          <a:lnRef idx="2">
+            <a:schemeClr val="accent1">
+              <a:shade val="50000"/>
+            </a:schemeClr>
+          </a:lnRef>
+          <a:fillRef idx="1">
+            <a:schemeClr val="accent1"/>
+          </a:fillRef>
+          <a:effectRef idx="0">
+            <a:schemeClr val="accent1"/>
+          </a:effectRef>
+          <a:fontRef idx="minor">
+            <a:schemeClr val="lt1"/>
+          </a:fontRef>
+        </p:style>
+        <p:txBody>
+          <a:bodyPr rtlCol="0" anchor="ctr"/>
+          <a:lstStyle/>
+          <a:p>
+            <a:pPr algn="ctr"/>
+            <a:endParaRPr lang="en-US"/>
+          </a:p>
+        </p:txBody>
+      </p:sp>
+      <p:sp>
+        <p:nvSpPr>
+          <p:cNvPr id="16" name="Rectangle 15">
+            <a:extLst>
+              <a:ext uri="{FF2B5EF4-FFF2-40B4-BE49-F238E27FC236}">
+                <a16:creationId xmlns:a16="http://schemas.microsoft.com/office/drawing/2014/main" id="{A630CC34-5ACB-4924-BB47-461A7263C139}"/>
+              </a:ext>
+            </a:extLst>
+          </p:cNvPr>
+          <p:cNvSpPr/>
+          <p:nvPr/>
+        </p:nvSpPr>
+        <p:spPr>
+          <a:xfrm>
+            <a:off x="7973227" y="4220634"/>
+            <a:ext cx="528506" cy="773050"/>
+          </a:xfrm>
+          <a:prstGeom prst="rect">
+            <a:avLst/>
+          </a:prstGeom>
+          <a:noFill/>
+        </p:spPr>
+        <p:style>
+          <a:lnRef idx="2">
+            <a:schemeClr val="accent1">
+              <a:shade val="50000"/>
+            </a:schemeClr>
+          </a:lnRef>
+          <a:fillRef idx="1">
+            <a:schemeClr val="accent1"/>
+          </a:fillRef>
+          <a:effectRef idx="0">
+            <a:schemeClr val="accent1"/>
+          </a:effectRef>
+          <a:fontRef idx="minor">
+            <a:schemeClr val="lt1"/>
+          </a:fontRef>
+        </p:style>
+        <p:txBody>
+          <a:bodyPr rtlCol="0" anchor="ctr"/>
+          <a:lstStyle/>
+          <a:p>
+            <a:pPr algn="ctr"/>
+            <a:endParaRPr lang="en-US"/>
+          </a:p>
+        </p:txBody>
+      </p:sp>
+      <p:sp>
+        <p:nvSpPr>
+          <p:cNvPr id="18" name="Rectangle 17">
+            <a:extLst>
+              <a:ext uri="{FF2B5EF4-FFF2-40B4-BE49-F238E27FC236}">
+                <a16:creationId xmlns:a16="http://schemas.microsoft.com/office/drawing/2014/main" id="{1C322919-8C74-4E51-BBE0-F13B6BE42A63}"/>
+              </a:ext>
+            </a:extLst>
+          </p:cNvPr>
+          <p:cNvSpPr/>
+          <p:nvPr/>
+        </p:nvSpPr>
+        <p:spPr>
+          <a:xfrm>
+            <a:off x="10297442" y="4220634"/>
+            <a:ext cx="528506" cy="773050"/>
+          </a:xfrm>
+          <a:prstGeom prst="rect">
+            <a:avLst/>
+          </a:prstGeom>
+          <a:noFill/>
+        </p:spPr>
+        <p:style>
+          <a:lnRef idx="2">
+            <a:schemeClr val="accent1">
+              <a:shade val="50000"/>
+            </a:schemeClr>
+          </a:lnRef>
+          <a:fillRef idx="1">
+            <a:schemeClr val="accent1"/>
+          </a:fillRef>
+          <a:effectRef idx="0">
+            <a:schemeClr val="accent1"/>
+          </a:effectRef>
+          <a:fontRef idx="minor">
+            <a:schemeClr val="lt1"/>
+          </a:fontRef>
+        </p:style>
+        <p:txBody>
+          <a:bodyPr rtlCol="0" anchor="ctr"/>
+          <a:lstStyle/>
+          <a:p>
+            <a:pPr algn="ctr"/>
+            <a:endParaRPr lang="en-US"/>
+          </a:p>
+        </p:txBody>
+      </p:sp>
     </p:spTree>
     <p:extLst>
       <p:ext uri="{BB962C8B-B14F-4D97-AF65-F5344CB8AC3E}">
@@ -5863,29 +6235,7 @@
                 <a:ea typeface="+mj-ea"/>
                 <a:cs typeface="Times New Roman" panose="02020603050405020304" pitchFamily="18" charset="0"/>
               </a:rPr>
-              <a:t>Employment variation rate, Number of employees and </a:t>
-            </a:r>
-            <a:r>
-              <a:rPr lang="en-US" sz="2000" spc="-50" dirty="0" err="1">
-                <a:solidFill>
-                  <a:srgbClr val="000000"/>
-                </a:solidFill>
-                <a:latin typeface="Times New Roman" panose="02020603050405020304" pitchFamily="18" charset="0"/>
-                <a:ea typeface="+mj-ea"/>
-                <a:cs typeface="Times New Roman" panose="02020603050405020304" pitchFamily="18" charset="0"/>
-              </a:rPr>
-              <a:t>Eurobir</a:t>
-            </a:r>
-            <a:r>
-              <a:rPr lang="en-US" sz="2000" spc="-50" dirty="0">
-                <a:solidFill>
-                  <a:srgbClr val="000000"/>
-                </a:solidFill>
-                <a:latin typeface="Times New Roman" panose="02020603050405020304" pitchFamily="18" charset="0"/>
-                <a:ea typeface="+mj-ea"/>
-                <a:cs typeface="Times New Roman" panose="02020603050405020304" pitchFamily="18" charset="0"/>
-              </a:rPr>
-              <a:t> 3 months rate are correlated. Employment variation rate is a combination of Number of employees, this results in Multicollinearity issues.</a:t>
+              <a:t>Employment variation rate, Number of employees and Euribor 3 months rate are correlated. Employment variation rate is a combination of Number of employees, this results in Multicollinearity issues.</a:t>
             </a:r>
             <a:endParaRPr lang="en-US" sz="2000" spc="-50" dirty="0">
               <a:solidFill>
@@ -6098,6 +6448,285 @@
           </a:prstGeom>
         </p:spPr>
       </p:pic>
+      <p:sp>
+        <p:nvSpPr>
+          <p:cNvPr id="2" name="Star: 5 Points 1">
+            <a:extLst>
+              <a:ext uri="{FF2B5EF4-FFF2-40B4-BE49-F238E27FC236}">
+                <a16:creationId xmlns:a16="http://schemas.microsoft.com/office/drawing/2014/main" id="{8F87F843-F931-40F6-9E71-93EEE3A3FE04}"/>
+              </a:ext>
+            </a:extLst>
+          </p:cNvPr>
+          <p:cNvSpPr/>
+          <p:nvPr/>
+        </p:nvSpPr>
+        <p:spPr>
+          <a:xfrm>
+            <a:off x="2622550" y="2796405"/>
+            <a:ext cx="235964" cy="203200"/>
+          </a:xfrm>
+          <a:prstGeom prst="star5">
+            <a:avLst/>
+          </a:prstGeom>
+        </p:spPr>
+        <p:style>
+          <a:lnRef idx="2">
+            <a:schemeClr val="accent1">
+              <a:shade val="50000"/>
+            </a:schemeClr>
+          </a:lnRef>
+          <a:fillRef idx="1">
+            <a:schemeClr val="accent1"/>
+          </a:fillRef>
+          <a:effectRef idx="0">
+            <a:schemeClr val="accent1"/>
+          </a:effectRef>
+          <a:fontRef idx="minor">
+            <a:schemeClr val="lt1"/>
+          </a:fontRef>
+        </p:style>
+        <p:txBody>
+          <a:bodyPr rtlCol="0" anchor="ctr"/>
+          <a:lstStyle/>
+          <a:p>
+            <a:pPr algn="ctr"/>
+            <a:endParaRPr lang="en-US"/>
+          </a:p>
+        </p:txBody>
+      </p:sp>
+      <p:sp>
+        <p:nvSpPr>
+          <p:cNvPr id="5" name="Star: 5 Points 4">
+            <a:extLst>
+              <a:ext uri="{FF2B5EF4-FFF2-40B4-BE49-F238E27FC236}">
+                <a16:creationId xmlns:a16="http://schemas.microsoft.com/office/drawing/2014/main" id="{C2DB701D-44E8-4751-991A-C5AFE5D40617}"/>
+              </a:ext>
+            </a:extLst>
+          </p:cNvPr>
+          <p:cNvSpPr/>
+          <p:nvPr/>
+        </p:nvSpPr>
+        <p:spPr>
+          <a:xfrm>
+            <a:off x="7394575" y="4983979"/>
+            <a:ext cx="260350" cy="273038"/>
+          </a:xfrm>
+          <a:prstGeom prst="star5">
+            <a:avLst/>
+          </a:prstGeom>
+        </p:spPr>
+        <p:style>
+          <a:lnRef idx="2">
+            <a:schemeClr val="accent1">
+              <a:shade val="50000"/>
+            </a:schemeClr>
+          </a:lnRef>
+          <a:fillRef idx="1">
+            <a:schemeClr val="accent1"/>
+          </a:fillRef>
+          <a:effectRef idx="0">
+            <a:schemeClr val="accent1"/>
+          </a:effectRef>
+          <a:fontRef idx="minor">
+            <a:schemeClr val="lt1"/>
+          </a:fontRef>
+        </p:style>
+        <p:txBody>
+          <a:bodyPr rtlCol="0" anchor="ctr"/>
+          <a:lstStyle/>
+          <a:p>
+            <a:pPr algn="ctr"/>
+            <a:endParaRPr lang="en-US"/>
+          </a:p>
+        </p:txBody>
+      </p:sp>
+      <p:sp>
+        <p:nvSpPr>
+          <p:cNvPr id="12" name="Star: 5 Points 11">
+            <a:extLst>
+              <a:ext uri="{FF2B5EF4-FFF2-40B4-BE49-F238E27FC236}">
+                <a16:creationId xmlns:a16="http://schemas.microsoft.com/office/drawing/2014/main" id="{5E0BD33A-9B73-4033-B130-BF1A26758F81}"/>
+              </a:ext>
+            </a:extLst>
+          </p:cNvPr>
+          <p:cNvSpPr/>
+          <p:nvPr/>
+        </p:nvSpPr>
+        <p:spPr>
+          <a:xfrm>
+            <a:off x="7940675" y="4977689"/>
+            <a:ext cx="260350" cy="273038"/>
+          </a:xfrm>
+          <a:prstGeom prst="star5">
+            <a:avLst/>
+          </a:prstGeom>
+        </p:spPr>
+        <p:style>
+          <a:lnRef idx="2">
+            <a:schemeClr val="accent1">
+              <a:shade val="50000"/>
+            </a:schemeClr>
+          </a:lnRef>
+          <a:fillRef idx="1">
+            <a:schemeClr val="accent1"/>
+          </a:fillRef>
+          <a:effectRef idx="0">
+            <a:schemeClr val="accent1"/>
+          </a:effectRef>
+          <a:fontRef idx="minor">
+            <a:schemeClr val="lt1"/>
+          </a:fontRef>
+        </p:style>
+        <p:txBody>
+          <a:bodyPr rtlCol="0" anchor="ctr"/>
+          <a:lstStyle/>
+          <a:p>
+            <a:pPr algn="ctr"/>
+            <a:endParaRPr lang="en-US"/>
+          </a:p>
+        </p:txBody>
+      </p:sp>
+      <p:sp>
+        <p:nvSpPr>
+          <p:cNvPr id="6" name="Cloud 5">
+            <a:extLst>
+              <a:ext uri="{FF2B5EF4-FFF2-40B4-BE49-F238E27FC236}">
+                <a16:creationId xmlns:a16="http://schemas.microsoft.com/office/drawing/2014/main" id="{7684D685-94FC-44F2-8B5A-012FE1AC3383}"/>
+              </a:ext>
+            </a:extLst>
+          </p:cNvPr>
+          <p:cNvSpPr/>
+          <p:nvPr/>
+        </p:nvSpPr>
+        <p:spPr>
+          <a:xfrm>
+            <a:off x="7332133" y="2796405"/>
+            <a:ext cx="322792" cy="203197"/>
+          </a:xfrm>
+          <a:prstGeom prst="cloud">
+            <a:avLst/>
+          </a:prstGeom>
+          <a:noFill/>
+        </p:spPr>
+        <p:style>
+          <a:lnRef idx="2">
+            <a:schemeClr val="accent1">
+              <a:shade val="50000"/>
+            </a:schemeClr>
+          </a:lnRef>
+          <a:fillRef idx="1">
+            <a:schemeClr val="accent1"/>
+          </a:fillRef>
+          <a:effectRef idx="0">
+            <a:schemeClr val="accent1"/>
+          </a:effectRef>
+          <a:fontRef idx="minor">
+            <a:schemeClr val="lt1"/>
+          </a:fontRef>
+        </p:style>
+        <p:txBody>
+          <a:bodyPr rtlCol="0" anchor="ctr"/>
+          <a:lstStyle/>
+          <a:p>
+            <a:pPr algn="ctr"/>
+            <a:endParaRPr lang="en-US"/>
+          </a:p>
+        </p:txBody>
+      </p:sp>
+      <p:sp>
+        <p:nvSpPr>
+          <p:cNvPr id="16" name="Cloud 15">
+            <a:extLst>
+              <a:ext uri="{FF2B5EF4-FFF2-40B4-BE49-F238E27FC236}">
+                <a16:creationId xmlns:a16="http://schemas.microsoft.com/office/drawing/2014/main" id="{06648B83-6D37-4D06-B7E3-69B757C78994}"/>
+              </a:ext>
+            </a:extLst>
+          </p:cNvPr>
+          <p:cNvSpPr/>
+          <p:nvPr/>
+        </p:nvSpPr>
+        <p:spPr>
+          <a:xfrm>
+            <a:off x="7849614" y="2810602"/>
+            <a:ext cx="322792" cy="203197"/>
+          </a:xfrm>
+          <a:prstGeom prst="cloud">
+            <a:avLst/>
+          </a:prstGeom>
+          <a:noFill/>
+        </p:spPr>
+        <p:style>
+          <a:lnRef idx="2">
+            <a:schemeClr val="accent1">
+              <a:shade val="50000"/>
+            </a:schemeClr>
+          </a:lnRef>
+          <a:fillRef idx="1">
+            <a:schemeClr val="accent1"/>
+          </a:fillRef>
+          <a:effectRef idx="0">
+            <a:schemeClr val="accent1"/>
+          </a:effectRef>
+          <a:fontRef idx="minor">
+            <a:schemeClr val="lt1"/>
+          </a:fontRef>
+        </p:style>
+        <p:txBody>
+          <a:bodyPr rtlCol="0" anchor="ctr"/>
+          <a:lstStyle/>
+          <a:p>
+            <a:pPr algn="ctr"/>
+            <a:endParaRPr lang="en-US"/>
+          </a:p>
+        </p:txBody>
+      </p:sp>
+      <p:sp>
+        <p:nvSpPr>
+          <p:cNvPr id="18" name="Cloud 17">
+            <a:extLst>
+              <a:ext uri="{FF2B5EF4-FFF2-40B4-BE49-F238E27FC236}">
+                <a16:creationId xmlns:a16="http://schemas.microsoft.com/office/drawing/2014/main" id="{FBD89572-A948-4D93-98CE-FF08D38449D5}"/>
+              </a:ext>
+            </a:extLst>
+          </p:cNvPr>
+          <p:cNvSpPr/>
+          <p:nvPr/>
+        </p:nvSpPr>
+        <p:spPr>
+          <a:xfrm>
+            <a:off x="7363354" y="4529172"/>
+            <a:ext cx="322792" cy="203197"/>
+          </a:xfrm>
+          <a:prstGeom prst="cloud">
+            <a:avLst/>
+          </a:prstGeom>
+          <a:noFill/>
+        </p:spPr>
+        <p:style>
+          <a:lnRef idx="2">
+            <a:schemeClr val="accent1">
+              <a:shade val="50000"/>
+            </a:schemeClr>
+          </a:lnRef>
+          <a:fillRef idx="1">
+            <a:schemeClr val="accent1"/>
+          </a:fillRef>
+          <a:effectRef idx="0">
+            <a:schemeClr val="accent1"/>
+          </a:effectRef>
+          <a:fontRef idx="minor">
+            <a:schemeClr val="lt1"/>
+          </a:fontRef>
+        </p:style>
+        <p:txBody>
+          <a:bodyPr rtlCol="0" anchor="ctr"/>
+          <a:lstStyle/>
+          <a:p>
+            <a:pPr algn="ctr"/>
+            <a:endParaRPr lang="en-US"/>
+          </a:p>
+        </p:txBody>
+      </p:sp>
     </p:spTree>
     <p:extLst>
       <p:ext uri="{BB962C8B-B14F-4D97-AF65-F5344CB8AC3E}">
@@ -6957,8 +7586,8 @@
         </p:nvSpPr>
         <p:spPr>
           <a:xfrm>
-            <a:off x="1007882" y="754171"/>
-            <a:ext cx="6248907" cy="3742661"/>
+            <a:off x="1150631" y="1460011"/>
+            <a:ext cx="5988536" cy="3738225"/>
           </a:xfrm>
           <a:prstGeom prst="rect">
             <a:avLst/>
@@ -6966,7 +7595,7 @@
         </p:spPr>
         <p:txBody>
           <a:bodyPr vert="horz" lIns="91440" tIns="45720" rIns="91440" bIns="45720" rtlCol="0" anchor="b">
-            <a:normAutofit/>
+            <a:normAutofit lnSpcReduction="10000"/>
           </a:bodyPr>
           <a:lstStyle/>
           <a:p>
@@ -7044,8 +7673,24 @@
                 <a:ea typeface="+mj-ea"/>
                 <a:cs typeface="Times New Roman" panose="02020603050405020304" pitchFamily="18" charset="0"/>
               </a:rPr>
-              <a:t>Precision: The model has a precision of about 10 %. True positive value of 10% of the customers, did subscribe to the term deposit.</a:t>
+              <a:t>Precision: True positive value of 9.8% of the customers, did subscribe to the term deposit. Results in 	</a:t>
             </a:r>
+            <a:r>
+              <a:rPr lang="en-US" sz="2000" dirty="0">
+                <a:effectLst/>
+                <a:latin typeface="Times New Roman" panose="02020603050405020304" pitchFamily="18" charset="0"/>
+                <a:ea typeface="Calibri" panose="020F0502020204030204" pitchFamily="34" charset="0"/>
+              </a:rPr>
+              <a:t>inefficient use of marketing resources and funds.</a:t>
+            </a:r>
+            <a:endParaRPr lang="en-US" sz="2000" spc="-50" dirty="0">
+              <a:solidFill>
+                <a:srgbClr val="000000"/>
+              </a:solidFill>
+              <a:latin typeface="Times New Roman" panose="02020603050405020304" pitchFamily="18" charset="0"/>
+              <a:ea typeface="+mj-ea"/>
+              <a:cs typeface="Times New Roman" panose="02020603050405020304" pitchFamily="18" charset="0"/>
+            </a:endParaRPr>
           </a:p>
           <a:p>
             <a:pPr marL="342900" marR="0" indent="-342900">
@@ -7073,6 +7718,55 @@
               <a:t> F1-Score: 0.18. Higher the score, better is the model. F1 score conveys the balance between the precision and the recall.</a:t>
             </a:r>
           </a:p>
+          <a:p>
+            <a:pPr marL="342900" marR="0" indent="-342900">
+              <a:lnSpc>
+                <a:spcPct val="107000"/>
+              </a:lnSpc>
+              <a:spcBef>
+                <a:spcPts val="0"/>
+              </a:spcBef>
+              <a:spcAft>
+                <a:spcPts val="800"/>
+              </a:spcAft>
+              <a:buFont typeface="Wingdings" panose="05000000000000000000" pitchFamily="2" charset="2"/>
+              <a:buChar char="v"/>
+            </a:pPr>
+            <a:r>
+              <a:rPr lang="en-US" sz="2000" spc="-50" dirty="0">
+                <a:solidFill>
+                  <a:srgbClr val="000000"/>
+                </a:solidFill>
+                <a:latin typeface="Times New Roman" panose="02020603050405020304" pitchFamily="18" charset="0"/>
+                <a:ea typeface="+mj-ea"/>
+                <a:cs typeface="Times New Roman" panose="02020603050405020304" pitchFamily="18" charset="0"/>
+              </a:rPr>
+              <a:t>Model can do better</a:t>
+            </a:r>
+          </a:p>
+          <a:p>
+            <a:pPr marL="342900" marR="0" indent="-342900">
+              <a:lnSpc>
+                <a:spcPct val="107000"/>
+              </a:lnSpc>
+              <a:spcBef>
+                <a:spcPts val="0"/>
+              </a:spcBef>
+              <a:spcAft>
+                <a:spcPts val="800"/>
+              </a:spcAft>
+              <a:buFont typeface="Wingdings" panose="05000000000000000000" pitchFamily="2" charset="2"/>
+              <a:buChar char="v"/>
+            </a:pPr>
+            <a:endParaRPr lang="en-US" sz="2000" spc="-50" dirty="0">
+              <a:solidFill>
+                <a:srgbClr val="000000"/>
+              </a:solidFill>
+              <a:latin typeface="Times New Roman" panose="02020603050405020304" pitchFamily="18" charset="0"/>
+              <a:ea typeface="+mj-ea"/>
+              <a:cs typeface="Times New Roman" panose="02020603050405020304" pitchFamily="18" charset="0"/>
+            </a:endParaRPr>
+          </a:p>
         </p:txBody>
       </p:sp>
       <p:cxnSp>
@@ -7199,7 +7893,7 @@
         </p:nvSpPr>
         <p:spPr>
           <a:xfrm>
-            <a:off x="838199" y="219302"/>
+            <a:off x="838199" y="200252"/>
             <a:ext cx="10444755" cy="523220"/>
           </a:xfrm>
           <a:prstGeom prst="rect">
@@ -7264,8 +7958,8 @@
         </p:blipFill>
         <p:spPr>
           <a:xfrm>
-            <a:off x="7101479" y="3223508"/>
-            <a:ext cx="4181475" cy="2192145"/>
+            <a:off x="7082139" y="3207479"/>
+            <a:ext cx="4101978" cy="2192145"/>
           </a:xfrm>
           <a:prstGeom prst="rect">
             <a:avLst/>
@@ -7294,8 +7988,38 @@
         </p:blipFill>
         <p:spPr>
           <a:xfrm>
-            <a:off x="7761768" y="1228982"/>
-            <a:ext cx="3236350" cy="1924493"/>
+            <a:off x="8833218" y="1215351"/>
+            <a:ext cx="2449736" cy="1976100"/>
+          </a:xfrm>
+          <a:prstGeom prst="rect">
+            <a:avLst/>
+          </a:prstGeom>
+        </p:spPr>
+      </p:pic>
+      <p:pic>
+        <p:nvPicPr>
+          <p:cNvPr id="5" name="Picture 4" descr="Table&#10;&#10;Description automatically generated">
+            <a:extLst>
+              <a:ext uri="{FF2B5EF4-FFF2-40B4-BE49-F238E27FC236}">
+                <a16:creationId xmlns:a16="http://schemas.microsoft.com/office/drawing/2014/main" id="{59C34BB3-18D9-43F3-85AC-9A043D47DF43}"/>
+              </a:ext>
+            </a:extLst>
+          </p:cNvPr>
+          <p:cNvPicPr>
+            <a:picLocks noChangeAspect="1"/>
+          </p:cNvPicPr>
+          <p:nvPr/>
+        </p:nvPicPr>
+        <p:blipFill>
+          <a:blip r:embed="rId4"/>
+          <a:stretch>
+            <a:fillRect/>
+          </a:stretch>
+        </p:blipFill>
+        <p:spPr>
+          <a:xfrm>
+            <a:off x="7122253" y="1253007"/>
+            <a:ext cx="1710965" cy="1962150"/>
           </a:xfrm>
           <a:prstGeom prst="rect">
             <a:avLst/>
@@ -7537,7 +8261,7 @@
           </a:bodyPr>
           <a:lstStyle/>
           <a:p>
-            <a:pPr marL="342900" indent="-342900">
+            <a:pPr>
               <a:lnSpc>
                 <a:spcPct val="90000"/>
               </a:lnSpc>
@@ -7547,8 +8271,6 @@
               <a:spcAft>
                 <a:spcPts val="600"/>
               </a:spcAft>
-              <a:buFont typeface="Wingdings" panose="05000000000000000000" pitchFamily="2" charset="2"/>
-              <a:buChar char="v"/>
             </a:pPr>
             <a:r>
               <a:rPr lang="en-US" sz="2000" spc="-50" dirty="0">
@@ -7655,27 +8377,8 @@
                 <a:ea typeface="+mj-ea"/>
                 <a:cs typeface="Times New Roman" panose="02020603050405020304" pitchFamily="18" charset="0"/>
               </a:rPr>
-              <a:t>	3. </a:t>
+              <a:t>	3. SMOTE</a:t>
             </a:r>
-            <a:r>
-              <a:rPr lang="en-US" sz="2000" spc="-50">
-                <a:solidFill>
-                  <a:srgbClr val="000000"/>
-                </a:solidFill>
-                <a:latin typeface="Times New Roman" panose="02020603050405020304" pitchFamily="18" charset="0"/>
-                <a:ea typeface="+mj-ea"/>
-                <a:cs typeface="Times New Roman" panose="02020603050405020304" pitchFamily="18" charset="0"/>
-              </a:rPr>
-              <a:t>SMOTE technique</a:t>
-            </a:r>
-            <a:endParaRPr lang="en-US" sz="2000" spc="-50" dirty="0">
-              <a:solidFill>
-                <a:srgbClr val="000000"/>
-              </a:solidFill>
-              <a:latin typeface="Times New Roman" panose="02020603050405020304" pitchFamily="18" charset="0"/>
-              <a:ea typeface="+mj-ea"/>
-              <a:cs typeface="Times New Roman" panose="02020603050405020304" pitchFamily="18" charset="0"/>
-            </a:endParaRPr>
           </a:p>
           <a:p>
             <a:pPr>
@@ -8284,7 +8987,7 @@
                 <a:ea typeface="+mj-ea"/>
                 <a:cs typeface="Times New Roman" panose="02020603050405020304" pitchFamily="18" charset="0"/>
               </a:rPr>
-              <a:t>Metrics improved. Can explore Use sampling techniques as described, preferably k-means SMOTE as part of future work.</a:t>
+              <a:t>Metrics improved. Can explore Use sampling techniques as described, preferably SMOTE as part of future work.</a:t>
             </a:r>
           </a:p>
           <a:p>
@@ -8501,8 +9204,38 @@
         </p:blipFill>
         <p:spPr>
           <a:xfrm>
-            <a:off x="2905125" y="1210393"/>
+            <a:off x="2057400" y="1286593"/>
             <a:ext cx="6457950" cy="2918111"/>
+          </a:xfrm>
+          <a:prstGeom prst="rect">
+            <a:avLst/>
+          </a:prstGeom>
+        </p:spPr>
+      </p:pic>
+      <p:pic>
+        <p:nvPicPr>
+          <p:cNvPr id="5" name="Picture 4" descr="Table&#10;&#10;Description automatically generated">
+            <a:extLst>
+              <a:ext uri="{FF2B5EF4-FFF2-40B4-BE49-F238E27FC236}">
+                <a16:creationId xmlns:a16="http://schemas.microsoft.com/office/drawing/2014/main" id="{3A36F471-2732-4520-B3E0-0AE5E9F11A60}"/>
+              </a:ext>
+            </a:extLst>
+          </p:cNvPr>
+          <p:cNvPicPr>
+            <a:picLocks noChangeAspect="1"/>
+          </p:cNvPicPr>
+          <p:nvPr/>
+        </p:nvPicPr>
+        <p:blipFill>
+          <a:blip r:embed="rId3"/>
+          <a:stretch>
+            <a:fillRect/>
+          </a:stretch>
+        </p:blipFill>
+        <p:spPr>
+          <a:xfrm>
+            <a:off x="8380685" y="1286593"/>
+            <a:ext cx="1567325" cy="2918111"/>
           </a:xfrm>
           <a:prstGeom prst="rect">
             <a:avLst/>
@@ -8923,7 +9656,7 @@
         <p:spPr>
           <a:xfrm>
             <a:off x="1338484" y="1097435"/>
-            <a:ext cx="6829425" cy="3650230"/>
+            <a:ext cx="6829425" cy="4945969"/>
           </a:xfrm>
           <a:prstGeom prst="rect">
             <a:avLst/>
@@ -8961,45 +9694,8 @@
                 <a:ea typeface="+mj-ea"/>
                 <a:cs typeface="Times New Roman" panose="02020603050405020304" pitchFamily="18" charset="0"/>
               </a:rPr>
-              <a:t>Customers to be targeted: Age : 25 – 40 and older age people.</a:t>
+              <a:t>Customers to be targeted: young and older age people.</a:t>
             </a:r>
-          </a:p>
-          <a:p>
-            <a:pPr marL="342900" marR="0" lvl="0" indent="-342900">
-              <a:lnSpc>
-                <a:spcPct val="107000"/>
-              </a:lnSpc>
-              <a:spcBef>
-                <a:spcPts val="0"/>
-              </a:spcBef>
-              <a:spcAft>
-                <a:spcPts val="800"/>
-              </a:spcAft>
-              <a:buFont typeface="Wingdings" panose="05000000000000000000" pitchFamily="2" charset="2"/>
-              <a:buChar char=""/>
-              <a:tabLst>
-                <a:tab pos="457200" algn="l"/>
-              </a:tabLst>
-            </a:pPr>
-            <a:r>
-              <a:rPr lang="en-IN" sz="2000" spc="-50" dirty="0">
-                <a:solidFill>
-                  <a:srgbClr val="000000"/>
-                </a:solidFill>
-                <a:latin typeface="Times New Roman" panose="02020603050405020304" pitchFamily="18" charset="0"/>
-                <a:ea typeface="+mj-ea"/>
-                <a:cs typeface="Times New Roman" panose="02020603050405020304" pitchFamily="18" charset="0"/>
-              </a:rPr>
-              <a:t>Prioritize customers who were part of the previous campaigns.</a:t>
-            </a:r>
-            <a:endParaRPr lang="en-US" sz="2000" spc="-50" dirty="0">
-              <a:solidFill>
-                <a:srgbClr val="000000"/>
-              </a:solidFill>
-              <a:latin typeface="Times New Roman" panose="02020603050405020304" pitchFamily="18" charset="0"/>
-              <a:ea typeface="+mj-ea"/>
-              <a:cs typeface="Times New Roman" panose="02020603050405020304" pitchFamily="18" charset="0"/>
-            </a:endParaRPr>
           </a:p>
           <a:p>
             <a:pPr marL="342900" marR="0" lvl="0" indent="-342900">
@@ -9085,7 +9781,36 @@
                 <a:ea typeface="+mj-ea"/>
                 <a:cs typeface="Times New Roman" panose="02020603050405020304" pitchFamily="18" charset="0"/>
               </a:rPr>
-              <a:t>To focus on customers who are not married and with no personal loan taken.</a:t>
+              <a:t>To focus on customers who are single and with no personal and housing loan taken.</a:t>
+            </a:r>
+          </a:p>
+          <a:p>
+            <a:pPr marL="342900" marR="0" lvl="0" indent="-342900">
+              <a:lnSpc>
+                <a:spcPct val="107000"/>
+              </a:lnSpc>
+              <a:spcBef>
+                <a:spcPts val="0"/>
+              </a:spcBef>
+              <a:spcAft>
+                <a:spcPts val="800"/>
+              </a:spcAft>
+              <a:buFont typeface="Wingdings" panose="05000000000000000000" pitchFamily="2" charset="2"/>
+              <a:buChar char=""/>
+              <a:tabLst>
+                <a:tab pos="457200" algn="l"/>
+              </a:tabLst>
+            </a:pPr>
+            <a:r>
+              <a:rPr lang="en-IN" sz="2000" spc="-50" dirty="0">
+                <a:solidFill>
+                  <a:srgbClr val="000000"/>
+                </a:solidFill>
+                <a:latin typeface="Times New Roman" panose="02020603050405020304" pitchFamily="18" charset="0"/>
+                <a:ea typeface="+mj-ea"/>
+                <a:cs typeface="Times New Roman" panose="02020603050405020304" pitchFamily="18" charset="0"/>
+              </a:rPr>
+              <a:t>Cellular contact mode is good.</a:t>
             </a:r>
             <a:endParaRPr lang="en-US" sz="2000" spc="-50" dirty="0">
               <a:solidFill>
@@ -9124,6 +9849,112 @@
               </a:rPr>
               <a:t>Plan campaigns from September through March instead of May to November.</a:t>
             </a:r>
+          </a:p>
+          <a:p>
+            <a:pPr marL="342900" marR="0" lvl="0" indent="-342900">
+              <a:lnSpc>
+                <a:spcPct val="107000"/>
+              </a:lnSpc>
+              <a:spcBef>
+                <a:spcPts val="0"/>
+              </a:spcBef>
+              <a:spcAft>
+                <a:spcPts val="800"/>
+              </a:spcAft>
+              <a:buFont typeface="Wingdings" panose="05000000000000000000" pitchFamily="2" charset="2"/>
+              <a:buChar char=""/>
+              <a:tabLst>
+                <a:tab pos="457200" algn="l"/>
+              </a:tabLst>
+            </a:pPr>
+            <a:r>
+              <a:rPr lang="en-US" sz="2000" spc="-50" dirty="0">
+                <a:solidFill>
+                  <a:srgbClr val="000000"/>
+                </a:solidFill>
+                <a:latin typeface="Times New Roman" panose="02020603050405020304" pitchFamily="18" charset="0"/>
+                <a:ea typeface="+mj-ea"/>
+                <a:cs typeface="Times New Roman" panose="02020603050405020304" pitchFamily="18" charset="0"/>
+              </a:rPr>
+              <a:t>Bank’s current model could do better. </a:t>
+            </a:r>
+          </a:p>
+          <a:p>
+            <a:pPr marL="342900" marR="0" lvl="0" indent="-342900">
+              <a:lnSpc>
+                <a:spcPct val="107000"/>
+              </a:lnSpc>
+              <a:spcBef>
+                <a:spcPts val="0"/>
+              </a:spcBef>
+              <a:spcAft>
+                <a:spcPts val="800"/>
+              </a:spcAft>
+              <a:buFont typeface="Wingdings" panose="05000000000000000000" pitchFamily="2" charset="2"/>
+              <a:buChar char=""/>
+              <a:tabLst>
+                <a:tab pos="457200" algn="l"/>
+              </a:tabLst>
+            </a:pPr>
+            <a:r>
+              <a:rPr lang="en-US" sz="2000" spc="-50" dirty="0">
+                <a:solidFill>
+                  <a:srgbClr val="000000"/>
+                </a:solidFill>
+                <a:latin typeface="Times New Roman" panose="02020603050405020304" pitchFamily="18" charset="0"/>
+                <a:ea typeface="+mj-ea"/>
+                <a:cs typeface="Times New Roman" panose="02020603050405020304" pitchFamily="18" charset="0"/>
+              </a:rPr>
+              <a:t>Use </a:t>
+            </a:r>
+            <a:r>
+              <a:rPr lang="en-US" sz="2000" spc="-50" dirty="0" err="1">
+                <a:solidFill>
+                  <a:srgbClr val="000000"/>
+                </a:solidFill>
+                <a:latin typeface="Times New Roman" panose="02020603050405020304" pitchFamily="18" charset="0"/>
+                <a:ea typeface="+mj-ea"/>
+                <a:cs typeface="Times New Roman" panose="02020603050405020304" pitchFamily="18" charset="0"/>
+              </a:rPr>
+              <a:t>XgBoost</a:t>
+            </a:r>
+            <a:r>
+              <a:rPr lang="en-US" sz="2000" spc="-50" dirty="0">
+                <a:solidFill>
+                  <a:srgbClr val="000000"/>
+                </a:solidFill>
+                <a:latin typeface="Times New Roman" panose="02020603050405020304" pitchFamily="18" charset="0"/>
+                <a:ea typeface="+mj-ea"/>
+                <a:cs typeface="Times New Roman" panose="02020603050405020304" pitchFamily="18" charset="0"/>
+              </a:rPr>
+              <a:t> instead, which takes care of class imbalance.</a:t>
+            </a:r>
+          </a:p>
+          <a:p>
+            <a:pPr marL="342900" marR="0" lvl="0" indent="-342900">
+              <a:lnSpc>
+                <a:spcPct val="107000"/>
+              </a:lnSpc>
+              <a:spcBef>
+                <a:spcPts val="0"/>
+              </a:spcBef>
+              <a:spcAft>
+                <a:spcPts val="800"/>
+              </a:spcAft>
+              <a:buFont typeface="Wingdings" panose="05000000000000000000" pitchFamily="2" charset="2"/>
+              <a:buChar char=""/>
+              <a:tabLst>
+                <a:tab pos="457200" algn="l"/>
+              </a:tabLst>
+            </a:pPr>
+            <a:endParaRPr lang="en-US" sz="2000" spc="-50" dirty="0">
+              <a:solidFill>
+                <a:srgbClr val="000000"/>
+              </a:solidFill>
+              <a:latin typeface="Times New Roman" panose="02020603050405020304" pitchFamily="18" charset="0"/>
+              <a:ea typeface="+mj-ea"/>
+              <a:cs typeface="Times New Roman" panose="02020603050405020304" pitchFamily="18" charset="0"/>
+            </a:endParaRPr>
           </a:p>
           <a:p>
             <a:endParaRPr lang="en-US" sz="2000" dirty="0">
@@ -9185,14 +10016,52 @@
         </p:blipFill>
         <p:spPr>
           <a:xfrm>
-            <a:off x="2424112" y="1249105"/>
-            <a:ext cx="7702747" cy="4216030"/>
+            <a:off x="2204145" y="839530"/>
+            <a:ext cx="7783709" cy="4216030"/>
           </a:xfrm>
           <a:prstGeom prst="rect">
             <a:avLst/>
           </a:prstGeom>
         </p:spPr>
       </p:pic>
+      <p:sp>
+        <p:nvSpPr>
+          <p:cNvPr id="2" name="TextBox 1">
+            <a:extLst>
+              <a:ext uri="{FF2B5EF4-FFF2-40B4-BE49-F238E27FC236}">
+                <a16:creationId xmlns:a16="http://schemas.microsoft.com/office/drawing/2014/main" id="{FC7E5042-586F-43CA-8DA0-76EDA1E065B1}"/>
+              </a:ext>
+            </a:extLst>
+          </p:cNvPr>
+          <p:cNvSpPr txBox="1"/>
+          <p:nvPr/>
+        </p:nvSpPr>
+        <p:spPr>
+          <a:xfrm>
+            <a:off x="4914899" y="5055560"/>
+            <a:ext cx="2362199" cy="553998"/>
+          </a:xfrm>
+          <a:prstGeom prst="rect">
+            <a:avLst/>
+          </a:prstGeom>
+          <a:noFill/>
+        </p:spPr>
+        <p:txBody>
+          <a:bodyPr wrap="square" rtlCol="0">
+            <a:spAutoFit/>
+          </a:bodyPr>
+          <a:lstStyle/>
+          <a:p>
+            <a:r>
+              <a:rPr lang="en-US" sz="3000" b="1" i="1" dirty="0">
+                <a:latin typeface="Algerian" panose="04020705040A02060702" pitchFamily="82" charset="0"/>
+                <a:cs typeface="Times New Roman" panose="02020603050405020304" pitchFamily="18" charset="0"/>
+              </a:rPr>
+              <a:t>Questions?</a:t>
+            </a:r>
+          </a:p>
+        </p:txBody>
+      </p:sp>
     </p:spTree>
     <p:extLst>
       <p:ext uri="{BB962C8B-B14F-4D97-AF65-F5344CB8AC3E}">
@@ -12239,6 +13108,147 @@
           </a:fontRef>
         </p:style>
       </p:cxnSp>
+      <p:sp>
+        <p:nvSpPr>
+          <p:cNvPr id="5" name="Rectangle 4">
+            <a:extLst>
+              <a:ext uri="{FF2B5EF4-FFF2-40B4-BE49-F238E27FC236}">
+                <a16:creationId xmlns:a16="http://schemas.microsoft.com/office/drawing/2014/main" id="{027938E8-612C-468E-9C95-7813E685168A}"/>
+              </a:ext>
+            </a:extLst>
+          </p:cNvPr>
+          <p:cNvSpPr/>
+          <p:nvPr/>
+        </p:nvSpPr>
+        <p:spPr>
+          <a:xfrm>
+            <a:off x="9446004" y="4379053"/>
+            <a:ext cx="562062" cy="654339"/>
+          </a:xfrm>
+          <a:prstGeom prst="rect">
+            <a:avLst/>
+          </a:prstGeom>
+          <a:noFill/>
+        </p:spPr>
+        <p:style>
+          <a:lnRef idx="2">
+            <a:schemeClr val="accent1">
+              <a:shade val="50000"/>
+            </a:schemeClr>
+          </a:lnRef>
+          <a:fillRef idx="1">
+            <a:schemeClr val="accent1"/>
+          </a:fillRef>
+          <a:effectRef idx="0">
+            <a:schemeClr val="accent1"/>
+          </a:effectRef>
+          <a:fontRef idx="minor">
+            <a:schemeClr val="lt1"/>
+          </a:fontRef>
+        </p:style>
+        <p:txBody>
+          <a:bodyPr rtlCol="0" anchor="ctr"/>
+          <a:lstStyle/>
+          <a:p>
+            <a:pPr algn="ctr"/>
+            <a:endParaRPr lang="en-US"/>
+          </a:p>
+        </p:txBody>
+      </p:sp>
+      <p:sp>
+        <p:nvSpPr>
+          <p:cNvPr id="20" name="Rectangle 19">
+            <a:extLst>
+              <a:ext uri="{FF2B5EF4-FFF2-40B4-BE49-F238E27FC236}">
+                <a16:creationId xmlns:a16="http://schemas.microsoft.com/office/drawing/2014/main" id="{062597F8-742D-4CEF-A007-FB800BA43CA7}"/>
+              </a:ext>
+            </a:extLst>
+          </p:cNvPr>
+          <p:cNvSpPr/>
+          <p:nvPr/>
+        </p:nvSpPr>
+        <p:spPr>
+          <a:xfrm>
+            <a:off x="8697287" y="4379053"/>
+            <a:ext cx="562062" cy="654339"/>
+          </a:xfrm>
+          <a:prstGeom prst="rect">
+            <a:avLst/>
+          </a:prstGeom>
+          <a:noFill/>
+        </p:spPr>
+        <p:style>
+          <a:lnRef idx="2">
+            <a:schemeClr val="accent1">
+              <a:shade val="50000"/>
+            </a:schemeClr>
+          </a:lnRef>
+          <a:fillRef idx="1">
+            <a:schemeClr val="accent1"/>
+          </a:fillRef>
+          <a:effectRef idx="0">
+            <a:schemeClr val="accent1"/>
+          </a:effectRef>
+          <a:fontRef idx="minor">
+            <a:schemeClr val="lt1"/>
+          </a:fontRef>
+        </p:style>
+        <p:txBody>
+          <a:bodyPr rtlCol="0" anchor="ctr"/>
+          <a:lstStyle/>
+          <a:p>
+            <a:pPr algn="ctr"/>
+            <a:endParaRPr lang="en-US"/>
+          </a:p>
+        </p:txBody>
+      </p:sp>
+      <p:sp>
+        <p:nvSpPr>
+          <p:cNvPr id="24" name="Rectangle 23">
+            <a:extLst>
+              <a:ext uri="{FF2B5EF4-FFF2-40B4-BE49-F238E27FC236}">
+                <a16:creationId xmlns:a16="http://schemas.microsoft.com/office/drawing/2014/main" id="{0DCAF999-5CB0-452B-B24E-FDE2468735D8}"/>
+              </a:ext>
+            </a:extLst>
+          </p:cNvPr>
+          <p:cNvSpPr/>
+          <p:nvPr/>
+        </p:nvSpPr>
+        <p:spPr>
+          <a:xfrm>
+            <a:off x="7249549" y="4379033"/>
+            <a:ext cx="562062" cy="654339"/>
+          </a:xfrm>
+          <a:prstGeom prst="rect">
+            <a:avLst/>
+          </a:prstGeom>
+          <a:noFill/>
+        </p:spPr>
+        <p:style>
+          <a:lnRef idx="2">
+            <a:schemeClr val="accent1">
+              <a:shade val="50000"/>
+            </a:schemeClr>
+          </a:lnRef>
+          <a:fillRef idx="1">
+            <a:schemeClr val="accent1"/>
+          </a:fillRef>
+          <a:effectRef idx="0">
+            <a:schemeClr val="accent1"/>
+          </a:effectRef>
+          <a:fontRef idx="minor">
+            <a:schemeClr val="lt1"/>
+          </a:fontRef>
+        </p:style>
+        <p:txBody>
+          <a:bodyPr rtlCol="0" anchor="ctr"/>
+          <a:lstStyle/>
+          <a:p>
+            <a:pPr algn="ctr"/>
+            <a:endParaRPr lang="en-US"/>
+          </a:p>
+        </p:txBody>
+      </p:sp>
     </p:spTree>
     <p:extLst>
       <p:ext uri="{BB962C8B-B14F-4D97-AF65-F5344CB8AC3E}">
@@ -12757,6 +13767,100 @@
           </a:prstGeom>
         </p:spPr>
       </p:pic>
+      <p:sp>
+        <p:nvSpPr>
+          <p:cNvPr id="12" name="Rectangle 11">
+            <a:extLst>
+              <a:ext uri="{FF2B5EF4-FFF2-40B4-BE49-F238E27FC236}">
+                <a16:creationId xmlns:a16="http://schemas.microsoft.com/office/drawing/2014/main" id="{8B4E61BC-6953-43EA-A627-3C0E052E239E}"/>
+              </a:ext>
+            </a:extLst>
+          </p:cNvPr>
+          <p:cNvSpPr/>
+          <p:nvPr/>
+        </p:nvSpPr>
+        <p:spPr>
+          <a:xfrm>
+            <a:off x="7464105" y="4249195"/>
+            <a:ext cx="562062" cy="1166457"/>
+          </a:xfrm>
+          <a:prstGeom prst="rect">
+            <a:avLst/>
+          </a:prstGeom>
+          <a:noFill/>
+        </p:spPr>
+        <p:style>
+          <a:lnRef idx="2">
+            <a:schemeClr val="accent1">
+              <a:shade val="50000"/>
+            </a:schemeClr>
+          </a:lnRef>
+          <a:fillRef idx="1">
+            <a:schemeClr val="accent1"/>
+          </a:fillRef>
+          <a:effectRef idx="0">
+            <a:schemeClr val="accent1"/>
+          </a:effectRef>
+          <a:fontRef idx="minor">
+            <a:schemeClr val="lt1"/>
+          </a:fontRef>
+        </p:style>
+        <p:txBody>
+          <a:bodyPr rtlCol="0" anchor="ctr"/>
+          <a:lstStyle/>
+          <a:p>
+            <a:pPr algn="ctr"/>
+            <a:endParaRPr lang="en-US"/>
+          </a:p>
+        </p:txBody>
+      </p:sp>
+      <p:sp>
+        <p:nvSpPr>
+          <p:cNvPr id="14" name="Rectangle 13">
+            <a:extLst>
+              <a:ext uri="{FF2B5EF4-FFF2-40B4-BE49-F238E27FC236}">
+                <a16:creationId xmlns:a16="http://schemas.microsoft.com/office/drawing/2014/main" id="{87296B71-CC35-4400-A751-CA5F3A8FAEB7}"/>
+              </a:ext>
+            </a:extLst>
+          </p:cNvPr>
+          <p:cNvSpPr/>
+          <p:nvPr/>
+        </p:nvSpPr>
+        <p:spPr>
+          <a:xfrm>
+            <a:off x="9083368" y="4028509"/>
+            <a:ext cx="562062" cy="1387143"/>
+          </a:xfrm>
+          <a:prstGeom prst="rect">
+            <a:avLst/>
+          </a:prstGeom>
+          <a:noFill/>
+        </p:spPr>
+        <p:style>
+          <a:lnRef idx="2">
+            <a:schemeClr val="accent1">
+              <a:shade val="50000"/>
+            </a:schemeClr>
+          </a:lnRef>
+          <a:fillRef idx="1">
+            <a:schemeClr val="accent1"/>
+          </a:fillRef>
+          <a:effectRef idx="0">
+            <a:schemeClr val="accent1"/>
+          </a:effectRef>
+          <a:fontRef idx="minor">
+            <a:schemeClr val="lt1"/>
+          </a:fontRef>
+        </p:style>
+        <p:txBody>
+          <a:bodyPr rtlCol="0" anchor="ctr"/>
+          <a:lstStyle/>
+          <a:p>
+            <a:pPr algn="ctr"/>
+            <a:endParaRPr lang="en-US"/>
+          </a:p>
+        </p:txBody>
+      </p:sp>
     </p:spTree>
     <p:extLst>
       <p:ext uri="{BB962C8B-B14F-4D97-AF65-F5344CB8AC3E}">
@@ -13538,7 +14642,7 @@
                 <a:latin typeface="Times New Roman" panose="02020603050405020304" pitchFamily="18" charset="0"/>
                 <a:cs typeface="Times New Roman" panose="02020603050405020304" pitchFamily="18" charset="0"/>
               </a:rPr>
-              <a:t>Important fact to consider here, more customers subscribed during September, October, December and March.</a:t>
+              <a:t>Important fact to consider here, high rate of subscriptions during September, October, December and March.</a:t>
             </a:r>
             <a:endParaRPr lang="en-US" sz="2000" spc="-50" dirty="0">
               <a:solidFill>
@@ -14965,6 +16069,15 @@
 </file>
 
 <file path=customXml/item2.xml><?xml version="1.0" encoding="utf-8"?>
+<?mso-contentType ?>
+<FormTemplates xmlns="http://schemas.microsoft.com/sharepoint/v3/contenttype/forms">
+  <Display>DocumentLibraryForm</Display>
+  <Edit>DocumentLibraryForm</Edit>
+  <New>DocumentLibraryForm</New>
+</FormTemplates>
+</file>
+
+<file path=customXml/item3.xml><?xml version="1.0" encoding="utf-8"?>
 <ct:contentTypeSchema xmlns:ct="http://schemas.microsoft.com/office/2006/metadata/contentType" xmlns:ma="http://schemas.microsoft.com/office/2006/metadata/properties/metaAttributes" ct:_="" ma:_="" ma:contentTypeName="Document" ma:contentTypeID="0x01010079F111ED35F8CC479449609E8A0923A6" ma:contentTypeVersion="12" ma:contentTypeDescription="Create a new document." ma:contentTypeScope="" ma:versionID="a410dd7f93c95333ffa1b60ed6adedd1">
   <xsd:schema xmlns:xsd="http://www.w3.org/2001/XMLSchema" xmlns:xs="http://www.w3.org/2001/XMLSchema" xmlns:p="http://schemas.microsoft.com/office/2006/metadata/properties" xmlns:ns2="71af3243-3dd4-4a8d-8c0d-dd76da1f02a5" xmlns:ns3="16c05727-aa75-4e4a-9b5f-8a80a1165891" targetNamespace="http://schemas.microsoft.com/office/2006/metadata/properties" ma:root="true" ma:fieldsID="a936d9baba76aa3866493feff160faab" ns2:_="" ns3:_="">
     <xsd:import namespace="71af3243-3dd4-4a8d-8c0d-dd76da1f02a5"/>
@@ -15185,15 +16298,6 @@
 </ct:contentTypeSchema>
 </file>
 
-<file path=customXml/item3.xml><?xml version="1.0" encoding="utf-8"?>
-<?mso-contentType ?>
-<FormTemplates xmlns="http://schemas.microsoft.com/sharepoint/v3/contenttype/forms">
-  <Display>DocumentLibraryForm</Display>
-  <Edit>DocumentLibraryForm</Edit>
-  <New>DocumentLibraryForm</New>
-</FormTemplates>
-</file>
-
 <file path=customXml/itemProps1.xml><?xml version="1.0" encoding="utf-8"?>
 <ds:datastoreItem xmlns:ds="http://schemas.openxmlformats.org/officeDocument/2006/customXml" ds:itemID="{A03EEFF0-FB57-4CB4-8BFC-DF397689E2ED}">
   <ds:schemaRefs>
@@ -15205,6 +16309,14 @@
 </file>
 
 <file path=customXml/itemProps2.xml><?xml version="1.0" encoding="utf-8"?>
+<ds:datastoreItem xmlns:ds="http://schemas.openxmlformats.org/officeDocument/2006/customXml" ds:itemID="{AA3F7EDC-E5B4-4BBC-9D2A-CBE6D46C37AD}">
+  <ds:schemaRefs>
+    <ds:schemaRef ds:uri="http://schemas.microsoft.com/sharepoint/v3/contenttype/forms"/>
+  </ds:schemaRefs>
+</ds:datastoreItem>
+</file>
+
+<file path=customXml/itemProps3.xml><?xml version="1.0" encoding="utf-8"?>
 <ds:datastoreItem xmlns:ds="http://schemas.openxmlformats.org/officeDocument/2006/customXml" ds:itemID="{93932EF5-314F-409E-8020-FEE5FA0795B9}">
   <ds:schemaRefs>
     <ds:schemaRef ds:uri="http://schemas.microsoft.com/office/2006/metadata/contentType"/>
@@ -15221,12 +16333,4 @@
     <ds:schemaRef ds:uri="http://schemas.microsoft.com/internal/obd"/>
   </ds:schemaRefs>
 </ds:datastoreItem>
-</file>
-
-<file path=customXml/itemProps3.xml><?xml version="1.0" encoding="utf-8"?>
-<ds:datastoreItem xmlns:ds="http://schemas.openxmlformats.org/officeDocument/2006/customXml" ds:itemID="{AA3F7EDC-E5B4-4BBC-9D2A-CBE6D46C37AD}">
-  <ds:schemaRefs>
-    <ds:schemaRef ds:uri="http://schemas.microsoft.com/sharepoint/v3/contenttype/forms"/>
-  </ds:schemaRefs>
-</ds:datastoreItem>
 </file>